--- a/Oemof_Workshop_02_Installation.pptx
+++ b/Oemof_Workshop_02_Installation.pptx
@@ -26,8 +26,8 @@
     <p:sldId id="341" r:id="rId17"/>
     <p:sldId id="330" r:id="rId18"/>
     <p:sldId id="345" r:id="rId19"/>
-    <p:sldId id="349" r:id="rId20"/>
-    <p:sldId id="346" r:id="rId21"/>
+    <p:sldId id="346" r:id="rId20"/>
+    <p:sldId id="350" r:id="rId21"/>
     <p:sldId id="348" r:id="rId22"/>
     <p:sldId id="302" r:id="rId23"/>
   </p:sldIdLst>
@@ -36677,23 +36677,7 @@
                 <a:ea typeface="Roboto Light" panose="02000000000000000000" pitchFamily="2" charset="0"/>
                 <a:cs typeface="Roboto Light" panose="02000000000000000000" pitchFamily="2" charset="0"/>
               </a:rPr>
-              <a:t>Unzip into </a:t>
-            </a:r>
-            <a:r>
-              <a:rPr lang="en-IN" spc="-1" dirty="0" smtClean="0">
-                <a:latin typeface="Roboto Light" panose="02000000000000000000" pitchFamily="2" charset="0"/>
-                <a:ea typeface="Roboto Light" panose="02000000000000000000" pitchFamily="2" charset="0"/>
-                <a:cs typeface="Roboto Light" panose="02000000000000000000" pitchFamily="2" charset="0"/>
-              </a:rPr>
-              <a:t>chosen </a:t>
-            </a:r>
-            <a:r>
-              <a:rPr lang="en-IN" spc="-1" dirty="0" smtClean="0">
-                <a:latin typeface="Roboto Light" panose="02000000000000000000" pitchFamily="2" charset="0"/>
-                <a:ea typeface="Roboto Light" panose="02000000000000000000" pitchFamily="2" charset="0"/>
-                <a:cs typeface="Roboto Light" panose="02000000000000000000" pitchFamily="2" charset="0"/>
-              </a:rPr>
-              <a:t>path</a:t>
+              <a:t>Unzip into chosen path</a:t>
             </a:r>
           </a:p>
           <a:p>
@@ -36725,15 +36709,7 @@
                 <a:ea typeface="Roboto Light" panose="02000000000000000000" pitchFamily="2" charset="0"/>
                 <a:cs typeface="Roboto Light" panose="02000000000000000000" pitchFamily="2" charset="0"/>
               </a:rPr>
-              <a:t>Local </a:t>
-            </a:r>
-            <a:r>
-              <a:rPr lang="en-IN" spc="-1" dirty="0" smtClean="0">
-                <a:latin typeface="Roboto Light" panose="02000000000000000000" pitchFamily="2" charset="0"/>
-                <a:ea typeface="Roboto Light" panose="02000000000000000000" pitchFamily="2" charset="0"/>
-                <a:cs typeface="Roboto Light" panose="02000000000000000000" pitchFamily="2" charset="0"/>
-              </a:rPr>
-              <a:t>admin rights required</a:t>
+              <a:t>Local admin rights required</a:t>
             </a:r>
             <a:endParaRPr lang="en-IN" spc="-1" dirty="0">
               <a:latin typeface="Roboto Light" panose="02000000000000000000" pitchFamily="2" charset="0"/>
@@ -38812,6 +38788,70 @@
           <a:bodyPr/>
           <a:lstStyle/>
           <a:p>
+            <a:r>
+              <a:rPr lang="de-DE" dirty="0" err="1" smtClean="0"/>
+              <a:t>Copy</a:t>
+            </a:r>
+            <a:r>
+              <a:rPr lang="de-DE" dirty="0" smtClean="0"/>
+              <a:t> link </a:t>
+            </a:r>
+            <a:r>
+              <a:rPr lang="de-DE" dirty="0" err="1" smtClean="0"/>
+              <a:t>to</a:t>
+            </a:r>
+            <a:r>
+              <a:rPr lang="de-DE" dirty="0" smtClean="0"/>
+              <a:t> </a:t>
+            </a:r>
+            <a:r>
+              <a:rPr lang="de-DE" dirty="0" err="1" smtClean="0"/>
+              <a:t>git</a:t>
+            </a:r>
+            <a:r>
+              <a:rPr lang="de-DE" dirty="0" smtClean="0"/>
+              <a:t> </a:t>
+            </a:r>
+            <a:r>
+              <a:rPr lang="de-DE" dirty="0" err="1" smtClean="0"/>
+              <a:t>reprository</a:t>
+            </a:r>
+            <a:r>
+              <a:rPr lang="de-DE" dirty="0" smtClean="0"/>
+              <a:t> </a:t>
+            </a:r>
+            <a:r>
+              <a:rPr lang="de-DE" dirty="0" err="1" smtClean="0"/>
+              <a:t>and</a:t>
+            </a:r>
+            <a:r>
+              <a:rPr lang="de-DE" dirty="0" smtClean="0"/>
+              <a:t> </a:t>
+            </a:r>
+            <a:r>
+              <a:rPr lang="de-DE" dirty="0" err="1" smtClean="0"/>
+              <a:t>insert</a:t>
+            </a:r>
+            <a:r>
+              <a:rPr lang="de-DE" dirty="0" smtClean="0"/>
+              <a:t>, </a:t>
+            </a:r>
+            <a:r>
+              <a:rPr lang="de-DE" dirty="0" err="1" smtClean="0"/>
+              <a:t>choose</a:t>
+            </a:r>
+            <a:r>
+              <a:rPr lang="de-DE" dirty="0" smtClean="0"/>
+              <a:t> </a:t>
+            </a:r>
+            <a:r>
+              <a:rPr lang="de-DE" dirty="0" err="1" smtClean="0"/>
+              <a:t>path</a:t>
+            </a:r>
+            <a:r>
+              <a:rPr lang="de-DE" dirty="0" smtClean="0"/>
+              <a:t>:</a:t>
+            </a:r>
             <a:endParaRPr lang="de-DE" dirty="0"/>
           </a:p>
         </p:txBody>
@@ -38944,6 +38984,70 @@
             <a:endParaRPr lang="en-US" noProof="0" dirty="0"/>
           </a:p>
         </p:txBody>
+      </p:sp>
+      <p:pic>
+        <p:nvPicPr>
+          <p:cNvPr id="7" name="Grafik 6"/>
+          <p:cNvPicPr>
+            <a:picLocks noChangeAspect="1"/>
+          </p:cNvPicPr>
+          <p:nvPr/>
+        </p:nvPicPr>
+        <p:blipFill>
+          <a:blip r:embed="rId2">
+            <a:extLst>
+              <a:ext uri="{28A0092B-C50C-407E-A947-70E740481C1C}">
+                <a14:useLocalDpi xmlns:a14="http://schemas.microsoft.com/office/drawing/2010/main" val="0"/>
+              </a:ext>
+            </a:extLst>
+          </a:blip>
+          <a:stretch>
+            <a:fillRect/>
+          </a:stretch>
+        </p:blipFill>
+        <p:spPr>
+          <a:xfrm>
+            <a:off x="628651" y="2002337"/>
+            <a:ext cx="7886699" cy="1748346"/>
+          </a:xfrm>
+          <a:prstGeom prst="rect">
+            <a:avLst/>
+          </a:prstGeom>
+        </p:spPr>
+      </p:pic>
+      <p:sp>
+        <p:nvSpPr>
+          <p:cNvPr id="8" name="CustomShape 7"/>
+          <p:cNvSpPr/>
+          <p:nvPr/>
+        </p:nvSpPr>
+        <p:spPr>
+          <a:xfrm>
+            <a:off x="6326759" y="3337366"/>
+            <a:ext cx="1037346" cy="333319"/>
+          </a:xfrm>
+          <a:prstGeom prst="ellipse">
+            <a:avLst/>
+          </a:prstGeom>
+          <a:noFill/>
+          <a:ln>
+            <a:solidFill>
+              <a:srgbClr val="CE181E"/>
+            </a:solidFill>
+          </a:ln>
+        </p:spPr>
+        <p:style>
+          <a:lnRef idx="0">
+            <a:scrgbClr r="0" g="0" b="0"/>
+          </a:lnRef>
+          <a:fillRef idx="0">
+            <a:scrgbClr r="0" g="0" b="0"/>
+          </a:fillRef>
+          <a:effectRef idx="0">
+            <a:scrgbClr r="0" g="0" b="0"/>
+          </a:effectRef>
+          <a:fontRef idx="minor"/>
+        </p:style>
       </p:sp>
     </p:spTree>
     <p:extLst>
@@ -38991,50 +39095,128 @@
           <a:lstStyle/>
           <a:p>
             <a:r>
-              <a:rPr lang="de-DE" dirty="0" err="1" smtClean="0"/>
-              <a:t>Github</a:t>
-            </a:r>
-            <a:r>
-              <a:rPr lang="de-DE" dirty="0" smtClean="0"/>
-              <a:t> </a:t>
-            </a:r>
-            <a:r>
-              <a:rPr lang="de-DE" dirty="0" err="1" smtClean="0"/>
-              <a:t>guide</a:t>
-            </a:r>
-            <a:r>
-              <a:rPr lang="de-DE" dirty="0" smtClean="0"/>
-              <a:t>: </a:t>
-            </a:r>
-            <a:r>
-              <a:rPr lang="en-GB" u="sng" spc="-1" dirty="0">
-                <a:solidFill>
-                  <a:srgbClr val="3333FF"/>
-                </a:solidFill>
-                <a:latin typeface="Calibri"/>
+              <a:rPr lang="de-DE" dirty="0"/>
+              <a:t>File </a:t>
+            </a:r>
+            <a:r>
+              <a:rPr lang="de-DE" dirty="0">
+                <a:sym typeface="Wingdings" panose="05000000000000000000" pitchFamily="2" charset="2"/>
               </a:rPr>
-              <a:t>https://guides.github.com/activities/hello-world/</a:t>
-            </a:r>
-            <a:r>
-              <a:rPr lang="de-DE" u="sng" spc="-1" dirty="0">
-                <a:solidFill>
-                  <a:srgbClr val="3333FF"/>
-                </a:solidFill>
-                <a:latin typeface="Calibri"/>
+              <a:t> Settings  Project: [</a:t>
+            </a:r>
+            <a:r>
+              <a:rPr lang="de-DE" dirty="0" err="1">
+                <a:sym typeface="Wingdings" panose="05000000000000000000" pitchFamily="2" charset="2"/>
+              </a:rPr>
+              <a:t>your</a:t>
+            </a:r>
+            <a:r>
+              <a:rPr lang="de-DE" dirty="0">
+                <a:sym typeface="Wingdings" panose="05000000000000000000" pitchFamily="2" charset="2"/>
               </a:rPr>
               <a:t> </a:t>
             </a:r>
-            <a:endParaRPr lang="de-DE" spc="-1" dirty="0">
-              <a:solidFill>
-                <a:srgbClr val="000000"/>
-              </a:solidFill>
-              <a:latin typeface="Calibri"/>
-            </a:endParaRPr>
-          </a:p>
-          <a:p>
-            <a:pPr marL="0" indent="0">
-              <a:buNone/>
-            </a:pPr>
+            <a:r>
+              <a:rPr lang="de-DE" dirty="0" err="1">
+                <a:sym typeface="Wingdings" panose="05000000000000000000" pitchFamily="2" charset="2"/>
+              </a:rPr>
+              <a:t>project</a:t>
+            </a:r>
+            <a:r>
+              <a:rPr lang="de-DE" dirty="0">
+                <a:sym typeface="Wingdings" panose="05000000000000000000" pitchFamily="2" charset="2"/>
+              </a:rPr>
+              <a:t>] Project </a:t>
+            </a:r>
+            <a:r>
+              <a:rPr lang="de-DE" dirty="0" err="1">
+                <a:sym typeface="Wingdings" panose="05000000000000000000" pitchFamily="2" charset="2"/>
+              </a:rPr>
+              <a:t>interpreter</a:t>
+            </a:r>
+            <a:r>
+              <a:rPr lang="de-DE" dirty="0">
+                <a:sym typeface="Wingdings" panose="05000000000000000000" pitchFamily="2" charset="2"/>
+              </a:rPr>
+              <a:t> </a:t>
+            </a:r>
+          </a:p>
+          <a:p>
+            <a:r>
+              <a:rPr lang="de-DE" dirty="0" err="1" smtClean="0">
+                <a:sym typeface="Wingdings" panose="05000000000000000000" pitchFamily="2" charset="2"/>
+              </a:rPr>
+              <a:t>Choose</a:t>
+            </a:r>
+            <a:r>
+              <a:rPr lang="de-DE" dirty="0" smtClean="0">
+                <a:sym typeface="Wingdings" panose="05000000000000000000" pitchFamily="2" charset="2"/>
+              </a:rPr>
+              <a:t> </a:t>
+            </a:r>
+            <a:r>
+              <a:rPr lang="de-DE" dirty="0" err="1" smtClean="0">
+                <a:sym typeface="Wingdings" panose="05000000000000000000" pitchFamily="2" charset="2"/>
+              </a:rPr>
+              <a:t>existing</a:t>
+            </a:r>
+            <a:r>
+              <a:rPr lang="de-DE" dirty="0" smtClean="0">
+                <a:sym typeface="Wingdings" panose="05000000000000000000" pitchFamily="2" charset="2"/>
+              </a:rPr>
+              <a:t> </a:t>
+            </a:r>
+            <a:r>
+              <a:rPr lang="de-DE" dirty="0" err="1" smtClean="0">
+                <a:sym typeface="Wingdings" panose="05000000000000000000" pitchFamily="2" charset="2"/>
+              </a:rPr>
+              <a:t>interpreter</a:t>
+            </a:r>
+            <a:r>
+              <a:rPr lang="de-DE" dirty="0" smtClean="0">
+                <a:sym typeface="Wingdings" panose="05000000000000000000" pitchFamily="2" charset="2"/>
+              </a:rPr>
+              <a:t> </a:t>
+            </a:r>
+            <a:r>
+              <a:rPr lang="de-DE" dirty="0" err="1" smtClean="0">
+                <a:sym typeface="Wingdings" panose="05000000000000000000" pitchFamily="2" charset="2"/>
+              </a:rPr>
+              <a:t>or</a:t>
+            </a:r>
+            <a:r>
+              <a:rPr lang="de-DE" dirty="0" smtClean="0">
+                <a:sym typeface="Wingdings" panose="05000000000000000000" pitchFamily="2" charset="2"/>
+              </a:rPr>
+              <a:t> </a:t>
+            </a:r>
+            <a:r>
+              <a:rPr lang="de-DE" dirty="0" err="1" smtClean="0">
+                <a:sym typeface="Wingdings" panose="05000000000000000000" pitchFamily="2" charset="2"/>
+              </a:rPr>
+              <a:t>create</a:t>
+            </a:r>
+            <a:r>
+              <a:rPr lang="de-DE" dirty="0" smtClean="0">
+                <a:sym typeface="Wingdings" panose="05000000000000000000" pitchFamily="2" charset="2"/>
+              </a:rPr>
+              <a:t> </a:t>
+            </a:r>
+            <a:r>
+              <a:rPr lang="de-DE" dirty="0" err="1" smtClean="0">
+                <a:sym typeface="Wingdings" panose="05000000000000000000" pitchFamily="2" charset="2"/>
+              </a:rPr>
+              <a:t>new</a:t>
+            </a:r>
+            <a:r>
+              <a:rPr lang="de-DE" dirty="0" smtClean="0">
+                <a:sym typeface="Wingdings" panose="05000000000000000000" pitchFamily="2" charset="2"/>
+              </a:rPr>
+              <a:t>:</a:t>
+            </a:r>
+            <a:endParaRPr lang="de-DE" dirty="0"/>
+          </a:p>
+          <a:p>
             <a:endParaRPr lang="en-GB" dirty="0"/>
           </a:p>
         </p:txBody>
@@ -39102,8 +39284,20 @@
           <a:lstStyle/>
           <a:p>
             <a:r>
+              <a:rPr lang="de-DE" dirty="0" smtClean="0"/>
+              <a:t>Setup </a:t>
+            </a:r>
+            <a:r>
               <a:rPr lang="de-DE" dirty="0" err="1" smtClean="0"/>
-              <a:t>Using</a:t>
+              <a:t>of</a:t>
+            </a:r>
+            <a:r>
+              <a:rPr lang="de-DE" dirty="0" smtClean="0"/>
+              <a:t> a </a:t>
+            </a:r>
+            <a:r>
+              <a:rPr lang="de-DE" dirty="0" err="1" smtClean="0"/>
+              <a:t>project</a:t>
             </a:r>
             <a:r>
               <a:rPr lang="de-DE" dirty="0" smtClean="0"/>
@@ -39111,15 +39305,11 @@
             </a:r>
             <a:r>
               <a:rPr lang="de-DE" dirty="0" err="1" smtClean="0"/>
-              <a:t>versioning</a:t>
+              <a:t>interpreter</a:t>
             </a:r>
             <a:r>
               <a:rPr lang="de-DE" dirty="0" smtClean="0"/>
-              <a:t>: </a:t>
-            </a:r>
-            <a:r>
-              <a:rPr lang="de-DE" dirty="0" err="1" smtClean="0"/>
-              <a:t>Github</a:t>
+              <a:t> (I)</a:t>
             </a:r>
             <a:endParaRPr lang="en-GB" dirty="0"/>
           </a:p>
@@ -39148,10 +39338,107 @@
           </a:p>
         </p:txBody>
       </p:sp>
+      <p:pic>
+        <p:nvPicPr>
+          <p:cNvPr id="7" name="Grafik 6"/>
+          <p:cNvPicPr>
+            <a:picLocks noChangeAspect="1"/>
+          </p:cNvPicPr>
+          <p:nvPr/>
+        </p:nvPicPr>
+        <p:blipFill rotWithShape="1">
+          <a:blip r:embed="rId2">
+            <a:extLst>
+              <a:ext uri="{28A0092B-C50C-407E-A947-70E740481C1C}">
+                <a14:useLocalDpi xmlns:a14="http://schemas.microsoft.com/office/drawing/2010/main" val="0"/>
+              </a:ext>
+            </a:extLst>
+          </a:blip>
+          <a:srcRect l="12657" t="8538" r="22462" b="29353"/>
+          <a:stretch/>
+        </p:blipFill>
+        <p:spPr>
+          <a:xfrm>
+            <a:off x="823445" y="2394598"/>
+            <a:ext cx="7416220" cy="3993507"/>
+          </a:xfrm>
+          <a:prstGeom prst="rect">
+            <a:avLst/>
+          </a:prstGeom>
+        </p:spPr>
+      </p:pic>
+      <p:sp>
+        <p:nvSpPr>
+          <p:cNvPr id="10" name="CustomShape 7"/>
+          <p:cNvSpPr/>
+          <p:nvPr/>
+        </p:nvSpPr>
+        <p:spPr>
+          <a:xfrm>
+            <a:off x="7570839" y="2837048"/>
+            <a:ext cx="668826" cy="210951"/>
+          </a:xfrm>
+          <a:prstGeom prst="ellipse">
+            <a:avLst/>
+          </a:prstGeom>
+          <a:noFill/>
+          <a:ln>
+            <a:solidFill>
+              <a:srgbClr val="CE181E"/>
+            </a:solidFill>
+          </a:ln>
+        </p:spPr>
+        <p:style>
+          <a:lnRef idx="0">
+            <a:scrgbClr r="0" g="0" b="0"/>
+          </a:lnRef>
+          <a:fillRef idx="0">
+            <a:scrgbClr r="0" g="0" b="0"/>
+          </a:fillRef>
+          <a:effectRef idx="0">
+            <a:scrgbClr r="0" g="0" b="0"/>
+          </a:effectRef>
+          <a:fontRef idx="minor"/>
+        </p:style>
+      </p:sp>
+      <p:sp>
+        <p:nvSpPr>
+          <p:cNvPr id="11" name="CustomShape 7"/>
+          <p:cNvSpPr/>
+          <p:nvPr/>
+        </p:nvSpPr>
+        <p:spPr>
+          <a:xfrm>
+            <a:off x="7320190" y="2848299"/>
+            <a:ext cx="250649" cy="238149"/>
+          </a:xfrm>
+          <a:prstGeom prst="ellipse">
+            <a:avLst/>
+          </a:prstGeom>
+          <a:noFill/>
+          <a:ln>
+            <a:solidFill>
+              <a:srgbClr val="CE181E"/>
+            </a:solidFill>
+          </a:ln>
+        </p:spPr>
+        <p:style>
+          <a:lnRef idx="0">
+            <a:scrgbClr r="0" g="0" b="0"/>
+          </a:lnRef>
+          <a:fillRef idx="0">
+            <a:scrgbClr r="0" g="0" b="0"/>
+          </a:fillRef>
+          <a:effectRef idx="0">
+            <a:scrgbClr r="0" g="0" b="0"/>
+          </a:effectRef>
+          <a:fontRef idx="minor"/>
+        </p:style>
+      </p:sp>
     </p:spTree>
     <p:extLst>
       <p:ext uri="{BB962C8B-B14F-4D97-AF65-F5344CB8AC3E}">
-        <p14:creationId xmlns:p14="http://schemas.microsoft.com/office/powerpoint/2010/main" val="3730538720"/>
+        <p14:creationId xmlns:p14="http://schemas.microsoft.com/office/powerpoint/2010/main" val="129805865"/>
       </p:ext>
     </p:extLst>
   </p:cSld>
@@ -39582,7 +39869,133 @@
           <a:bodyPr/>
           <a:lstStyle/>
           <a:p>
-            <a:endParaRPr lang="en-GB" dirty="0"/>
+            <a:r>
+              <a:rPr lang="de-DE" dirty="0" smtClean="0"/>
+              <a:t>Add </a:t>
+            </a:r>
+            <a:r>
+              <a:rPr lang="de-DE" dirty="0" err="1" smtClean="0"/>
+              <a:t>interpreter</a:t>
+            </a:r>
+            <a:r>
+              <a:rPr lang="de-DE" dirty="0" smtClean="0"/>
+              <a:t> </a:t>
+            </a:r>
+            <a:r>
+              <a:rPr lang="de-DE" dirty="0" err="1" smtClean="0"/>
+              <a:t>with</a:t>
+            </a:r>
+            <a:r>
+              <a:rPr lang="de-DE" dirty="0" smtClean="0"/>
+              <a:t> </a:t>
+            </a:r>
+            <a:r>
+              <a:rPr lang="de-DE" dirty="0" err="1" smtClean="0"/>
+              <a:t>you</a:t>
+            </a:r>
+            <a:r>
+              <a:rPr lang="de-DE" dirty="0" err="1" smtClean="0"/>
+              <a:t>r</a:t>
+            </a:r>
+            <a:r>
+              <a:rPr lang="de-DE" dirty="0" smtClean="0"/>
+              <a:t> </a:t>
+            </a:r>
+            <a:r>
+              <a:rPr lang="de-DE" dirty="0" err="1" smtClean="0"/>
+              <a:t>package</a:t>
+            </a:r>
+            <a:r>
+              <a:rPr lang="de-DE" dirty="0" smtClean="0"/>
+              <a:t> </a:t>
+            </a:r>
+            <a:r>
+              <a:rPr lang="de-DE" dirty="0" err="1" smtClean="0"/>
+              <a:t>management</a:t>
+            </a:r>
+            <a:r>
+              <a:rPr lang="de-DE" dirty="0" smtClean="0"/>
+              <a:t> </a:t>
+            </a:r>
+            <a:r>
+              <a:rPr lang="de-DE" dirty="0" err="1" smtClean="0"/>
+              <a:t>tool</a:t>
+            </a:r>
+            <a:r>
+              <a:rPr lang="de-DE" dirty="0" smtClean="0"/>
+              <a:t> (</a:t>
+            </a:r>
+            <a:r>
+              <a:rPr lang="de-DE" dirty="0" err="1" smtClean="0"/>
+              <a:t>virtualenv</a:t>
+            </a:r>
+            <a:r>
+              <a:rPr lang="de-DE" dirty="0" smtClean="0"/>
+              <a:t>/</a:t>
+            </a:r>
+            <a:r>
+              <a:rPr lang="de-DE" dirty="0" err="1" smtClean="0"/>
+              <a:t>miniconda</a:t>
+            </a:r>
+            <a:r>
+              <a:rPr lang="de-DE" dirty="0" smtClean="0"/>
+              <a:t>)</a:t>
+            </a:r>
+          </a:p>
+          <a:p>
+            <a:r>
+              <a:rPr lang="de-DE" dirty="0" err="1" smtClean="0"/>
+              <a:t>Choose</a:t>
+            </a:r>
+            <a:r>
+              <a:rPr lang="de-DE" dirty="0" smtClean="0"/>
+              <a:t> </a:t>
+            </a:r>
+            <a:r>
+              <a:rPr lang="de-DE" dirty="0" err="1" smtClean="0"/>
+              <a:t>location</a:t>
+            </a:r>
+            <a:r>
+              <a:rPr lang="de-DE" dirty="0" smtClean="0"/>
+              <a:t>, </a:t>
+            </a:r>
+            <a:r>
+              <a:rPr lang="de-DE" dirty="0" err="1" smtClean="0"/>
+              <a:t>environment</a:t>
+            </a:r>
+            <a:r>
+              <a:rPr lang="de-DE" dirty="0" smtClean="0"/>
+              <a:t> </a:t>
+            </a:r>
+            <a:r>
+              <a:rPr lang="de-DE" dirty="0" err="1" smtClean="0"/>
+              <a:t>name</a:t>
+            </a:r>
+            <a:r>
+              <a:rPr lang="de-DE" dirty="0" smtClean="0"/>
+              <a:t> </a:t>
+            </a:r>
+            <a:r>
+              <a:rPr lang="de-DE" dirty="0" err="1" smtClean="0"/>
+              <a:t>and</a:t>
+            </a:r>
+            <a:r>
+              <a:rPr lang="de-DE" dirty="0" smtClean="0"/>
+              <a:t> </a:t>
+            </a:r>
+            <a:r>
+              <a:rPr lang="de-DE" dirty="0" err="1" smtClean="0"/>
+              <a:t>python</a:t>
+            </a:r>
+            <a:r>
+              <a:rPr lang="de-DE" dirty="0" smtClean="0"/>
+              <a:t> </a:t>
+            </a:r>
+            <a:r>
+              <a:rPr lang="de-DE" dirty="0" err="1" smtClean="0"/>
+              <a:t>version</a:t>
+            </a:r>
+            <a:endParaRPr lang="de-DE" dirty="0" smtClean="0"/>
           </a:p>
         </p:txBody>
       </p:sp>
@@ -39672,6 +40085,10 @@
               <a:rPr lang="de-DE" dirty="0" err="1" smtClean="0"/>
               <a:t>interpreter</a:t>
             </a:r>
+            <a:r>
+              <a:rPr lang="de-DE" dirty="0" smtClean="0"/>
+              <a:t> (II)</a:t>
+            </a:r>
             <a:endParaRPr lang="en-GB" dirty="0"/>
           </a:p>
         </p:txBody>
@@ -39699,10 +40116,73 @@
           </a:p>
         </p:txBody>
       </p:sp>
+      <p:pic>
+        <p:nvPicPr>
+          <p:cNvPr id="9" name="Grafik 8"/>
+          <p:cNvPicPr>
+            <a:picLocks noChangeAspect="1"/>
+          </p:cNvPicPr>
+          <p:nvPr/>
+        </p:nvPicPr>
+        <p:blipFill rotWithShape="1">
+          <a:blip r:embed="rId2">
+            <a:extLst>
+              <a:ext uri="{28A0092B-C50C-407E-A947-70E740481C1C}">
+                <a14:useLocalDpi xmlns:a14="http://schemas.microsoft.com/office/drawing/2010/main" val="0"/>
+              </a:ext>
+            </a:extLst>
+          </a:blip>
+          <a:srcRect l="21899" t="42743" r="20380" b="16525"/>
+          <a:stretch/>
+        </p:blipFill>
+        <p:spPr>
+          <a:xfrm>
+            <a:off x="768130" y="3048000"/>
+            <a:ext cx="7623236" cy="3025891"/>
+          </a:xfrm>
+          <a:prstGeom prst="rect">
+            <a:avLst/>
+          </a:prstGeom>
+        </p:spPr>
+      </p:pic>
+      <p:sp>
+        <p:nvSpPr>
+          <p:cNvPr id="10" name="CustomShape 7"/>
+          <p:cNvSpPr/>
+          <p:nvPr/>
+        </p:nvSpPr>
+        <p:spPr>
+          <a:xfrm>
+            <a:off x="6596171" y="5780572"/>
+            <a:ext cx="1037346" cy="333319"/>
+          </a:xfrm>
+          <a:prstGeom prst="ellipse">
+            <a:avLst/>
+          </a:prstGeom>
+          <a:noFill/>
+          <a:ln>
+            <a:solidFill>
+              <a:srgbClr val="CE181E"/>
+            </a:solidFill>
+          </a:ln>
+        </p:spPr>
+        <p:style>
+          <a:lnRef idx="0">
+            <a:scrgbClr r="0" g="0" b="0"/>
+          </a:lnRef>
+          <a:fillRef idx="0">
+            <a:scrgbClr r="0" g="0" b="0"/>
+          </a:fillRef>
+          <a:effectRef idx="0">
+            <a:scrgbClr r="0" g="0" b="0"/>
+          </a:effectRef>
+          <a:fontRef idx="minor"/>
+        </p:style>
+      </p:sp>
     </p:spTree>
     <p:extLst>
       <p:ext uri="{BB962C8B-B14F-4D97-AF65-F5344CB8AC3E}">
-        <p14:creationId xmlns:p14="http://schemas.microsoft.com/office/powerpoint/2010/main" val="129805865"/>
+        <p14:creationId xmlns:p14="http://schemas.microsoft.com/office/powerpoint/2010/main" val="2879363080"/>
       </p:ext>
     </p:extLst>
   </p:cSld>
@@ -39790,54 +40270,213 @@
             </a:r>
           </a:p>
           <a:p>
-            <a:pPr lvl="1"/>
-            <a:r>
-              <a:rPr lang="de-DE" sz="2000" dirty="0" smtClean="0"/>
+            <a:pPr marL="358775" lvl="1" indent="0">
+              <a:buNone/>
+            </a:pPr>
+            <a:r>
+              <a:rPr lang="de-DE" dirty="0" smtClean="0"/>
               <a:t>File </a:t>
             </a:r>
             <a:r>
-              <a:rPr lang="de-DE" sz="2000" dirty="0" smtClean="0">
+              <a:rPr lang="de-DE" dirty="0" smtClean="0">
                 <a:sym typeface="Wingdings" panose="05000000000000000000" pitchFamily="2" charset="2"/>
               </a:rPr>
               <a:t> Settings  Project: [</a:t>
             </a:r>
             <a:r>
-              <a:rPr lang="de-DE" sz="2000" dirty="0" err="1" smtClean="0">
+              <a:rPr lang="de-DE" dirty="0" err="1" smtClean="0">
                 <a:sym typeface="Wingdings" panose="05000000000000000000" pitchFamily="2" charset="2"/>
               </a:rPr>
               <a:t>your</a:t>
             </a:r>
             <a:r>
-              <a:rPr lang="de-DE" sz="2000" dirty="0" smtClean="0">
+              <a:rPr lang="de-DE" dirty="0" smtClean="0">
                 <a:sym typeface="Wingdings" panose="05000000000000000000" pitchFamily="2" charset="2"/>
               </a:rPr>
               <a:t> </a:t>
             </a:r>
             <a:r>
-              <a:rPr lang="de-DE" sz="2000" dirty="0" err="1" smtClean="0">
+              <a:rPr lang="de-DE" dirty="0" err="1" smtClean="0">
                 <a:sym typeface="Wingdings" panose="05000000000000000000" pitchFamily="2" charset="2"/>
               </a:rPr>
               <a:t>project</a:t>
             </a:r>
             <a:r>
-              <a:rPr lang="de-DE" sz="2000" dirty="0" smtClean="0">
+              <a:rPr lang="de-DE" dirty="0" smtClean="0">
                 <a:sym typeface="Wingdings" panose="05000000000000000000" pitchFamily="2" charset="2"/>
               </a:rPr>
               <a:t>] Project </a:t>
             </a:r>
             <a:r>
-              <a:rPr lang="de-DE" sz="2000" dirty="0" err="1" smtClean="0">
+              <a:rPr lang="de-DE" dirty="0" err="1" smtClean="0">
                 <a:sym typeface="Wingdings" panose="05000000000000000000" pitchFamily="2" charset="2"/>
               </a:rPr>
               <a:t>interpreter</a:t>
             </a:r>
             <a:r>
-              <a:rPr lang="de-DE" sz="2000" dirty="0" smtClean="0">
+              <a:rPr lang="de-DE" dirty="0" smtClean="0">
                 <a:sym typeface="Wingdings" panose="05000000000000000000" pitchFamily="2" charset="2"/>
               </a:rPr>
               <a:t> </a:t>
             </a:r>
-            <a:endParaRPr lang="de-DE" sz="2000" dirty="0" smtClean="0"/>
+            <a:endParaRPr lang="de-DE" dirty="0" smtClean="0">
+              <a:sym typeface="Wingdings" panose="05000000000000000000" pitchFamily="2" charset="2"/>
+            </a:endParaRPr>
+          </a:p>
+          <a:p>
+            <a:pPr marL="358775" lvl="1" indent="0">
+              <a:buNone/>
+            </a:pPr>
+            <a:endParaRPr lang="de-DE" dirty="0">
+              <a:sym typeface="Wingdings" panose="05000000000000000000" pitchFamily="2" charset="2"/>
+            </a:endParaRPr>
+          </a:p>
+          <a:p>
+            <a:pPr marL="358775" lvl="1" indent="0">
+              <a:buNone/>
+            </a:pPr>
+            <a:endParaRPr lang="de-DE" dirty="0" smtClean="0">
+              <a:sym typeface="Wingdings" panose="05000000000000000000" pitchFamily="2" charset="2"/>
+            </a:endParaRPr>
+          </a:p>
+          <a:p>
+            <a:pPr marL="358775" lvl="1" indent="0">
+              <a:buNone/>
+            </a:pPr>
+            <a:endParaRPr lang="de-DE" dirty="0">
+              <a:sym typeface="Wingdings" panose="05000000000000000000" pitchFamily="2" charset="2"/>
+            </a:endParaRPr>
+          </a:p>
+          <a:p>
+            <a:pPr marL="358775" lvl="1" indent="0">
+              <a:buNone/>
+            </a:pPr>
+            <a:endParaRPr lang="de-DE" dirty="0" smtClean="0">
+              <a:sym typeface="Wingdings" panose="05000000000000000000" pitchFamily="2" charset="2"/>
+            </a:endParaRPr>
+          </a:p>
+          <a:p>
+            <a:pPr marL="358775" lvl="1" indent="0">
+              <a:buNone/>
+            </a:pPr>
+            <a:endParaRPr lang="de-DE" dirty="0">
+              <a:sym typeface="Wingdings" panose="05000000000000000000" pitchFamily="2" charset="2"/>
+            </a:endParaRPr>
+          </a:p>
+          <a:p>
+            <a:pPr marL="358775" lvl="1" indent="0">
+              <a:buNone/>
+            </a:pPr>
+            <a:endParaRPr lang="de-DE" dirty="0" smtClean="0">
+              <a:sym typeface="Wingdings" panose="05000000000000000000" pitchFamily="2" charset="2"/>
+            </a:endParaRPr>
+          </a:p>
+          <a:p>
+            <a:r>
+              <a:rPr lang="de-DE" dirty="0" smtClean="0">
+                <a:sym typeface="Wingdings" panose="05000000000000000000" pitchFamily="2" charset="2"/>
+              </a:rPr>
+              <a:t>Alternative: </a:t>
+            </a:r>
+            <a:r>
+              <a:rPr lang="de-DE" dirty="0" err="1" smtClean="0">
+                <a:sym typeface="Wingdings" panose="05000000000000000000" pitchFamily="2" charset="2"/>
+              </a:rPr>
+              <a:t>Use</a:t>
+            </a:r>
+            <a:r>
+              <a:rPr lang="de-DE" dirty="0" smtClean="0">
+                <a:sym typeface="Wingdings" panose="05000000000000000000" pitchFamily="2" charset="2"/>
+              </a:rPr>
+              <a:t> </a:t>
+            </a:r>
+            <a:r>
+              <a:rPr lang="de-DE" dirty="0" err="1" smtClean="0">
+                <a:sym typeface="Wingdings" panose="05000000000000000000" pitchFamily="2" charset="2"/>
+              </a:rPr>
+              <a:t>pycharm</a:t>
+            </a:r>
+            <a:r>
+              <a:rPr lang="de-DE" dirty="0" smtClean="0">
+                <a:sym typeface="Wingdings" panose="05000000000000000000" pitchFamily="2" charset="2"/>
+              </a:rPr>
+              <a:t> terminal </a:t>
+            </a:r>
+            <a:r>
+              <a:rPr lang="de-DE" dirty="0" err="1" smtClean="0">
+                <a:sym typeface="Wingdings" panose="05000000000000000000" pitchFamily="2" charset="2"/>
+              </a:rPr>
+              <a:t>to</a:t>
+            </a:r>
+            <a:r>
+              <a:rPr lang="de-DE" dirty="0" smtClean="0">
+                <a:sym typeface="Wingdings" panose="05000000000000000000" pitchFamily="2" charset="2"/>
+              </a:rPr>
+              <a:t> </a:t>
+            </a:r>
+            <a:r>
+              <a:rPr lang="de-DE" dirty="0" err="1" smtClean="0">
+                <a:sym typeface="Wingdings" panose="05000000000000000000" pitchFamily="2" charset="2"/>
+              </a:rPr>
+              <a:t>install</a:t>
+            </a:r>
+            <a:r>
+              <a:rPr lang="de-DE" dirty="0">
+                <a:sym typeface="Wingdings" panose="05000000000000000000" pitchFamily="2" charset="2"/>
+              </a:rPr>
+              <a:t> </a:t>
+            </a:r>
+            <a:r>
+              <a:rPr lang="de-DE" dirty="0" err="1" smtClean="0">
+                <a:sym typeface="Wingdings" panose="05000000000000000000" pitchFamily="2" charset="2"/>
+              </a:rPr>
+              <a:t>packages</a:t>
+            </a:r>
+            <a:r>
+              <a:rPr lang="de-DE" dirty="0" smtClean="0">
+                <a:sym typeface="Wingdings" panose="05000000000000000000" pitchFamily="2" charset="2"/>
+              </a:rPr>
+              <a:t> </a:t>
+            </a:r>
+            <a:r>
+              <a:rPr lang="de-DE" dirty="0" err="1" smtClean="0">
+                <a:sym typeface="Wingdings" panose="05000000000000000000" pitchFamily="2" charset="2"/>
+              </a:rPr>
+              <a:t>manually</a:t>
+            </a:r>
+            <a:r>
+              <a:rPr lang="de-DE" dirty="0" smtClean="0">
+                <a:sym typeface="Wingdings" panose="05000000000000000000" pitchFamily="2" charset="2"/>
+              </a:rPr>
+              <a:t> </a:t>
+            </a:r>
+            <a:r>
+              <a:rPr lang="de-DE" dirty="0" err="1" smtClean="0">
+                <a:sym typeface="Wingdings" panose="05000000000000000000" pitchFamily="2" charset="2"/>
+              </a:rPr>
+              <a:t>or</a:t>
+            </a:r>
+            <a:r>
+              <a:rPr lang="de-DE" dirty="0" smtClean="0">
+                <a:sym typeface="Wingdings" panose="05000000000000000000" pitchFamily="2" charset="2"/>
+              </a:rPr>
+              <a:t> </a:t>
+            </a:r>
+            <a:r>
+              <a:rPr lang="de-DE" dirty="0" err="1" smtClean="0">
+                <a:sym typeface="Wingdings" panose="05000000000000000000" pitchFamily="2" charset="2"/>
+              </a:rPr>
+              <a:t>with</a:t>
+            </a:r>
+            <a:r>
+              <a:rPr lang="de-DE" dirty="0" smtClean="0">
+                <a:sym typeface="Wingdings" panose="05000000000000000000" pitchFamily="2" charset="2"/>
+              </a:rPr>
+              <a:t> requirements.txt</a:t>
+            </a:r>
+          </a:p>
+          <a:p>
+            <a:endParaRPr lang="de-DE" dirty="0" smtClean="0"/>
           </a:p>
         </p:txBody>
       </p:sp>
@@ -39962,32 +40601,8 @@
         </p:blipFill>
         <p:spPr>
           <a:xfrm>
-            <a:off x="473342" y="2804920"/>
-            <a:ext cx="4106406" cy="2024285"/>
-          </a:xfrm>
-          <a:prstGeom prst="rect">
-            <a:avLst/>
-          </a:prstGeom>
-        </p:spPr>
-      </p:pic>
-      <p:pic>
-        <p:nvPicPr>
-          <p:cNvPr id="9" name="Grafik 8"/>
-          <p:cNvPicPr>
-            <a:picLocks noChangeAspect="1"/>
-          </p:cNvPicPr>
-          <p:nvPr/>
-        </p:nvPicPr>
-        <p:blipFill>
-          <a:blip r:embed="rId3"/>
-          <a:stretch>
-            <a:fillRect/>
-          </a:stretch>
-        </p:blipFill>
-        <p:spPr>
-          <a:xfrm>
-            <a:off x="4629874" y="2753124"/>
-            <a:ext cx="3897475" cy="2076081"/>
+            <a:off x="630659" y="2362467"/>
+            <a:ext cx="4462246" cy="2199699"/>
           </a:xfrm>
           <a:prstGeom prst="rect">
             <a:avLst/>
@@ -40002,8 +40617,128 @@
         </p:nvSpPr>
         <p:spPr>
           <a:xfrm>
-            <a:off x="4215373" y="3658381"/>
+            <a:off x="4677491" y="3314248"/>
             <a:ext cx="276334" cy="288000"/>
+          </a:xfrm>
+          <a:prstGeom prst="ellipse">
+            <a:avLst/>
+          </a:prstGeom>
+          <a:noFill/>
+          <a:ln>
+            <a:solidFill>
+              <a:srgbClr val="CE181E"/>
+            </a:solidFill>
+          </a:ln>
+        </p:spPr>
+        <p:style>
+          <a:lnRef idx="0">
+            <a:scrgbClr r="0" g="0" b="0"/>
+          </a:lnRef>
+          <a:fillRef idx="0">
+            <a:scrgbClr r="0" g="0" b="0"/>
+          </a:fillRef>
+          <a:effectRef idx="0">
+            <a:scrgbClr r="0" g="0" b="0"/>
+          </a:effectRef>
+          <a:fontRef idx="minor"/>
+        </p:style>
+      </p:sp>
+      <p:pic>
+        <p:nvPicPr>
+          <p:cNvPr id="7" name="Grafik 6"/>
+          <p:cNvPicPr>
+            <a:picLocks noChangeAspect="1"/>
+          </p:cNvPicPr>
+          <p:nvPr/>
+        </p:nvPicPr>
+        <p:blipFill rotWithShape="1">
+          <a:blip r:embed="rId3">
+            <a:extLst>
+              <a:ext uri="{28A0092B-C50C-407E-A947-70E740481C1C}">
+                <a14:useLocalDpi xmlns:a14="http://schemas.microsoft.com/office/drawing/2010/main" val="0"/>
+              </a:ext>
+            </a:extLst>
+          </a:blip>
+          <a:srcRect l="38925" t="27491" r="33763" b="39630"/>
+          <a:stretch/>
+        </p:blipFill>
+        <p:spPr>
+          <a:xfrm>
+            <a:off x="5255962" y="2347802"/>
+            <a:ext cx="3343173" cy="2214364"/>
+          </a:xfrm>
+          <a:prstGeom prst="rect">
+            <a:avLst/>
+          </a:prstGeom>
+        </p:spPr>
+      </p:pic>
+      <p:sp>
+        <p:nvSpPr>
+          <p:cNvPr id="12" name="CustomShape 6"/>
+          <p:cNvSpPr/>
+          <p:nvPr/>
+        </p:nvSpPr>
+        <p:spPr>
+          <a:xfrm>
+            <a:off x="5360833" y="4194235"/>
+            <a:ext cx="911534" cy="288000"/>
+          </a:xfrm>
+          <a:prstGeom prst="ellipse">
+            <a:avLst/>
+          </a:prstGeom>
+          <a:noFill/>
+          <a:ln>
+            <a:solidFill>
+              <a:srgbClr val="CE181E"/>
+            </a:solidFill>
+          </a:ln>
+        </p:spPr>
+        <p:style>
+          <a:lnRef idx="0">
+            <a:scrgbClr r="0" g="0" b="0"/>
+          </a:lnRef>
+          <a:fillRef idx="0">
+            <a:scrgbClr r="0" g="0" b="0"/>
+          </a:fillRef>
+          <a:effectRef idx="0">
+            <a:scrgbClr r="0" g="0" b="0"/>
+          </a:effectRef>
+          <a:fontRef idx="minor"/>
+        </p:style>
+      </p:sp>
+      <p:pic>
+        <p:nvPicPr>
+          <p:cNvPr id="13" name="Grafik 12"/>
+          <p:cNvPicPr>
+            <a:picLocks noChangeAspect="1"/>
+          </p:cNvPicPr>
+          <p:nvPr/>
+        </p:nvPicPr>
+        <p:blipFill rotWithShape="1">
+          <a:blip r:embed="rId4"/>
+          <a:srcRect t="27547" b="14280"/>
+          <a:stretch/>
+        </p:blipFill>
+        <p:spPr>
+          <a:xfrm>
+            <a:off x="869848" y="5653547"/>
+            <a:ext cx="7404304" cy="443905"/>
+          </a:xfrm>
+          <a:prstGeom prst="rect">
+            <a:avLst/>
+          </a:prstGeom>
+        </p:spPr>
+      </p:pic>
+      <p:sp>
+        <p:nvSpPr>
+          <p:cNvPr id="14" name="CustomShape 6"/>
+          <p:cNvSpPr/>
+          <p:nvPr/>
+        </p:nvSpPr>
+        <p:spPr>
+          <a:xfrm>
+            <a:off x="5212734" y="5573616"/>
+            <a:ext cx="1640350" cy="618751"/>
           </a:xfrm>
           <a:prstGeom prst="ellipse">
             <a:avLst/>

--- a/Oemof_Workshop_02_Installation.pptx
+++ b/Oemof_Workshop_02_Installation.pptx
@@ -26695,7 +26695,7 @@
           <a:p>
             <a:fld id="{6BD11D3B-DADA-9042-8997-28ACE677BFD3}" type="datetimeFigureOut">
               <a:rPr lang="de-DE" smtClean="0"/>
-              <a:t>15.09.2019</a:t>
+              <a:t>16.09.2019</a:t>
             </a:fld>
             <a:endParaRPr lang="de-DE"/>
           </a:p>
@@ -37696,12 +37696,16 @@
           <a:lstStyle/>
           <a:p>
             <a:r>
+              <a:rPr lang="de-DE"/>
+              <a:t>Open </a:t>
+            </a:r>
+            <a:r>
               <a:rPr lang="de-DE" dirty="0"/>
-              <a:t>Open </a:t>
-            </a:r>
-            <a:r>
-              <a:rPr lang="de-DE" dirty="0" smtClean="0"/>
-              <a:t>Terminal </a:t>
+              <a:t>t</a:t>
+            </a:r>
+            <a:r>
+              <a:rPr lang="de-DE" smtClean="0"/>
+              <a:t>erminal </a:t>
             </a:r>
             <a:r>
               <a:rPr lang="de-DE" dirty="0" err="1" smtClean="0"/>
@@ -38082,7 +38086,7 @@
                 <a:ea typeface="Roboto" charset="0"/>
                 <a:cs typeface="Roboto" charset="0"/>
               </a:rPr>
-              <a:t>Todays agenda</a:t>
+              <a:t>Agenda of this session</a:t>
             </a:r>
             <a:endParaRPr lang="en-US" b="1" noProof="0" dirty="0">
               <a:latin typeface="Roboto" charset="0"/>
@@ -38627,7 +38631,7 @@
                 <a:ea typeface="Roboto" charset="0"/>
                 <a:cs typeface="Roboto" charset="0"/>
               </a:rPr>
-              <a:t>Todays agenda</a:t>
+              <a:t>Agenda of this session</a:t>
             </a:r>
             <a:endParaRPr lang="en-US" b="1" noProof="0" dirty="0">
               <a:latin typeface="Roboto" charset="0"/>
@@ -39891,11 +39895,7 @@
             </a:r>
             <a:r>
               <a:rPr lang="de-DE" dirty="0" err="1" smtClean="0"/>
-              <a:t>you</a:t>
-            </a:r>
-            <a:r>
-              <a:rPr lang="de-DE" dirty="0" err="1" smtClean="0"/>
-              <a:t>r</a:t>
+              <a:t>your</a:t>
             </a:r>
             <a:r>
               <a:rPr lang="de-DE" dirty="0" smtClean="0"/>
@@ -40319,9 +40319,6 @@
               </a:rPr>
               <a:t> </a:t>
             </a:r>
-            <a:endParaRPr lang="de-DE" dirty="0" smtClean="0">
-              <a:sym typeface="Wingdings" panose="05000000000000000000" pitchFamily="2" charset="2"/>
-            </a:endParaRPr>
           </a:p>
           <a:p>
             <a:pPr marL="358775" lvl="1" indent="0">
@@ -41721,7 +41718,7 @@
                 <a:ea typeface="Roboto" charset="0"/>
                 <a:cs typeface="Roboto" charset="0"/>
               </a:rPr>
-              <a:t>Todays agenda</a:t>
+              <a:t>Agenda of this session</a:t>
             </a:r>
             <a:endParaRPr lang="en-US" b="1" noProof="0" dirty="0">
               <a:latin typeface="Roboto" charset="0"/>
@@ -41893,7 +41890,7 @@
                 <a:ea typeface="Roboto" charset="0"/>
                 <a:cs typeface="Roboto" charset="0"/>
               </a:rPr>
-              <a:t>Todays agenda</a:t>
+              <a:t>Agenda of this session</a:t>
             </a:r>
             <a:endParaRPr lang="en-US" b="1" noProof="0" dirty="0">
               <a:latin typeface="Roboto" charset="0"/>
@@ -42796,7 +42793,9 @@
         </p:nvSpPr>
         <p:spPr/>
         <p:txBody>
-          <a:bodyPr/>
+          <a:bodyPr>
+            <a:normAutofit fontScale="90000"/>
+          </a:bodyPr>
           <a:lstStyle/>
           <a:p>
             <a:r>
@@ -42836,8 +42835,8 @@
               <a:t> </a:t>
             </a:r>
             <a:r>
-              <a:rPr lang="de-DE" dirty="0" err="1" smtClean="0"/>
-              <a:t>Promt</a:t>
+              <a:rPr lang="de-DE" dirty="0" smtClean="0"/>
+              <a:t>Prompt</a:t>
             </a:r>
             <a:endParaRPr lang="de-DE" dirty="0"/>
           </a:p>
@@ -43882,7 +43881,7 @@
                 <a:ea typeface="Roboto" charset="0"/>
                 <a:cs typeface="Roboto" charset="0"/>
               </a:rPr>
-              <a:t>Todays agenda</a:t>
+              <a:t>Agenda of this session</a:t>
             </a:r>
             <a:endParaRPr lang="en-US" b="1" noProof="0" dirty="0">
               <a:latin typeface="Roboto" charset="0"/>

--- a/Oemof_Workshop_02_Installation.pptx
+++ b/Oemof_Workshop_02_Installation.pptx
@@ -26695,7 +26695,7 @@
           <a:p>
             <a:fld id="{6BD11D3B-DADA-9042-8997-28ACE677BFD3}" type="datetimeFigureOut">
               <a:rPr lang="de-DE" smtClean="0"/>
-              <a:t>16.09.2019</a:t>
+              <a:t>17.09.2019</a:t>
             </a:fld>
             <a:endParaRPr lang="de-DE"/>
           </a:p>
@@ -38794,11 +38794,80 @@
           <a:p>
             <a:r>
               <a:rPr lang="de-DE" dirty="0" err="1" smtClean="0"/>
-              <a:t>Copy</a:t>
+              <a:t>Install</a:t>
             </a:r>
             <a:r>
               <a:rPr lang="de-DE" dirty="0" smtClean="0"/>
-              <a:t> link </a:t>
+              <a:t> </a:t>
+            </a:r>
+            <a:r>
+              <a:rPr lang="de-DE" dirty="0" err="1" smtClean="0"/>
+              <a:t>gitbash</a:t>
+            </a:r>
+            <a:r>
+              <a:rPr lang="de-DE" dirty="0" smtClean="0"/>
+              <a:t> </a:t>
+            </a:r>
+            <a:r>
+              <a:rPr lang="de-DE" dirty="0" err="1" smtClean="0"/>
+              <a:t>from</a:t>
+            </a:r>
+            <a:r>
+              <a:rPr lang="de-DE" dirty="0" smtClean="0"/>
+              <a:t> </a:t>
+            </a:r>
+            <a:r>
+              <a:rPr lang="de-DE" dirty="0" smtClean="0">
+                <a:hlinkClick r:id="rId2"/>
+              </a:rPr>
+              <a:t>https</a:t>
+            </a:r>
+            <a:r>
+              <a:rPr lang="de-DE" dirty="0">
+                <a:hlinkClick r:id="rId2"/>
+              </a:rPr>
+              <a:t>://</a:t>
+            </a:r>
+            <a:r>
+              <a:rPr lang="de-DE" dirty="0" smtClean="0">
+                <a:hlinkClick r:id="rId2"/>
+              </a:rPr>
+              <a:t>git-scm.com/download/win</a:t>
+            </a:r>
+            <a:endParaRPr lang="de-DE" dirty="0" smtClean="0"/>
+          </a:p>
+          <a:p>
+            <a:r>
+              <a:rPr lang="de-DE" dirty="0" smtClean="0"/>
+              <a:t>Start </a:t>
+            </a:r>
+            <a:r>
+              <a:rPr lang="de-DE" dirty="0" err="1" smtClean="0"/>
+              <a:t>pycharm</a:t>
+            </a:r>
+            <a:r>
+              <a:rPr lang="de-DE" dirty="0" smtClean="0"/>
+              <a:t> </a:t>
+            </a:r>
+            <a:r>
+              <a:rPr lang="de-DE" dirty="0" err="1" smtClean="0"/>
+              <a:t>and</a:t>
+            </a:r>
+            <a:r>
+              <a:rPr lang="de-DE" dirty="0" smtClean="0"/>
+              <a:t> </a:t>
+            </a:r>
+            <a:r>
+              <a:rPr lang="de-DE" dirty="0" err="1" smtClean="0"/>
+              <a:t>copy</a:t>
+            </a:r>
+            <a:r>
+              <a:rPr lang="de-DE" dirty="0" smtClean="0"/>
+              <a:t> </a:t>
+            </a:r>
+            <a:r>
+              <a:rPr lang="de-DE" dirty="0" smtClean="0"/>
+              <a:t>link </a:t>
             </a:r>
             <a:r>
               <a:rPr lang="de-DE" dirty="0" err="1" smtClean="0"/>
@@ -38998,7 +39067,7 @@
           <p:nvPr/>
         </p:nvPicPr>
         <p:blipFill>
-          <a:blip r:embed="rId2">
+          <a:blip r:embed="rId3">
             <a:extLst>
               <a:ext uri="{28A0092B-C50C-407E-A947-70E740481C1C}">
                 <a14:useLocalDpi xmlns:a14="http://schemas.microsoft.com/office/drawing/2010/main" val="0"/>
@@ -39011,7 +39080,7 @@
         </p:blipFill>
         <p:spPr>
           <a:xfrm>
-            <a:off x="628651" y="2002337"/>
+            <a:off x="636399" y="2463193"/>
             <a:ext cx="7886699" cy="1748346"/>
           </a:xfrm>
           <a:prstGeom prst="rect">
@@ -39027,7 +39096,7 @@
         </p:nvSpPr>
         <p:spPr>
           <a:xfrm>
-            <a:off x="6326759" y="3337366"/>
+            <a:off x="6382785" y="3799482"/>
             <a:ext cx="1037346" cy="333319"/>
           </a:xfrm>
           <a:prstGeom prst="ellipse">
@@ -42832,11 +42901,7 @@
             </a:r>
             <a:r>
               <a:rPr lang="de-DE" dirty="0" smtClean="0"/>
-              <a:t> </a:t>
-            </a:r>
-            <a:r>
-              <a:rPr lang="de-DE" dirty="0" smtClean="0"/>
-              <a:t>Prompt</a:t>
+              <a:t> Prompt</a:t>
             </a:r>
             <a:endParaRPr lang="de-DE" dirty="0"/>
           </a:p>
